--- a/основы работы с гит.pptx
+++ b/основы работы с гит.pptx
@@ -9,6 +9,7 @@
     <p:sldId id="257" r:id="rId3"/>
     <p:sldId id="258" r:id="rId4"/>
     <p:sldId id="259" r:id="rId5"/>
+    <p:sldId id="260" r:id="rId6"/>
   </p:sldIdLst>
   <p:sldSz cx="12192000" cy="6858000"/>
   <p:notesSz cx="6858000" cy="9144000"/>
@@ -3665,10 +3666,126 @@
           </a:p>
         </p:txBody>
       </p:sp>
+      <p:pic>
+        <p:nvPicPr>
+          <p:cNvPr id="7" name="Рисунок 6">
+            <a:extLst>
+              <a:ext uri="{FF2B5EF4-FFF2-40B4-BE49-F238E27FC236}">
+                <a16:creationId xmlns:a16="http://schemas.microsoft.com/office/drawing/2014/main" id="{CD84DA53-3338-42E0-B535-19E712CEEE79}"/>
+              </a:ext>
+            </a:extLst>
+          </p:cNvPr>
+          <p:cNvPicPr>
+            <a:picLocks noChangeAspect="1"/>
+          </p:cNvPicPr>
+          <p:nvPr/>
+        </p:nvPicPr>
+        <p:blipFill>
+          <a:blip r:embed="rId2"/>
+          <a:stretch>
+            <a:fillRect/>
+          </a:stretch>
+        </p:blipFill>
+        <p:spPr>
+          <a:xfrm>
+            <a:off x="838200" y="2766920"/>
+            <a:ext cx="8964276" cy="1324160"/>
+          </a:xfrm>
+          <a:prstGeom prst="rect">
+            <a:avLst/>
+          </a:prstGeom>
+        </p:spPr>
+      </p:pic>
     </p:spTree>
     <p:extLst>
       <p:ext uri="{BB962C8B-B14F-4D97-AF65-F5344CB8AC3E}">
         <p14:creationId xmlns:p14="http://schemas.microsoft.com/office/powerpoint/2010/main" val="1803948819"/>
+      </p:ext>
+    </p:extLst>
+  </p:cSld>
+  <p:clrMapOvr>
+    <a:masterClrMapping/>
+  </p:clrMapOvr>
+</p:sld>
+</file>
+
+<file path=ppt/slides/slide5.xml><?xml version="1.0" encoding="utf-8"?>
+<p:sld xmlns:a="http://schemas.openxmlformats.org/drawingml/2006/main" xmlns:r="http://schemas.openxmlformats.org/officeDocument/2006/relationships" xmlns:p="http://schemas.openxmlformats.org/presentationml/2006/main">
+  <p:cSld>
+    <p:spTree>
+      <p:nvGrpSpPr>
+        <p:cNvPr id="1" name=""/>
+        <p:cNvGrpSpPr/>
+        <p:nvPr/>
+      </p:nvGrpSpPr>
+      <p:grpSpPr>
+        <a:xfrm>
+          <a:off x="0" y="0"/>
+          <a:ext cx="0" cy="0"/>
+          <a:chOff x="0" y="0"/>
+          <a:chExt cx="0" cy="0"/>
+        </a:xfrm>
+      </p:grpSpPr>
+      <p:sp>
+        <p:nvSpPr>
+          <p:cNvPr id="2" name="Заголовок 1">
+            <a:extLst>
+              <a:ext uri="{FF2B5EF4-FFF2-40B4-BE49-F238E27FC236}">
+                <a16:creationId xmlns:a16="http://schemas.microsoft.com/office/drawing/2014/main" id="{6464F34A-6CDB-4B00-A060-C57CA35745CD}"/>
+              </a:ext>
+            </a:extLst>
+          </p:cNvPr>
+          <p:cNvSpPr>
+            <a:spLocks noGrp="1"/>
+          </p:cNvSpPr>
+          <p:nvPr>
+            <p:ph type="title"/>
+          </p:nvPr>
+        </p:nvSpPr>
+        <p:spPr/>
+        <p:txBody>
+          <a:bodyPr/>
+          <a:lstStyle/>
+          <a:p>
+            <a:r>
+              <a:rPr lang="ru-RU" dirty="0"/>
+              <a:t>Добавим еще  пару коммитов</a:t>
+            </a:r>
+          </a:p>
+        </p:txBody>
+      </p:sp>
+      <p:sp>
+        <p:nvSpPr>
+          <p:cNvPr id="3" name="Объект 2">
+            <a:extLst>
+              <a:ext uri="{FF2B5EF4-FFF2-40B4-BE49-F238E27FC236}">
+                <a16:creationId xmlns:a16="http://schemas.microsoft.com/office/drawing/2014/main" id="{91CB1D11-66C8-41E3-87C4-200432C4B719}"/>
+              </a:ext>
+            </a:extLst>
+          </p:cNvPr>
+          <p:cNvSpPr>
+            <a:spLocks noGrp="1"/>
+          </p:cNvSpPr>
+          <p:nvPr>
+            <p:ph idx="1"/>
+          </p:nvPr>
+        </p:nvSpPr>
+        <p:spPr/>
+        <p:txBody>
+          <a:bodyPr/>
+          <a:lstStyle/>
+          <a:p>
+            <a:r>
+              <a:rPr lang="ru-RU" dirty="0"/>
+              <a:t>Первый с этими данными</a:t>
+            </a:r>
+          </a:p>
+        </p:txBody>
+      </p:sp>
+    </p:spTree>
+    <p:extLst>
+      <p:ext uri="{BB962C8B-B14F-4D97-AF65-F5344CB8AC3E}">
+        <p14:creationId xmlns:p14="http://schemas.microsoft.com/office/powerpoint/2010/main" val="123428256"/>
       </p:ext>
     </p:extLst>
   </p:cSld>

--- a/основы работы с гит.pptx
+++ b/основы работы с гит.pptx
@@ -3779,9 +3779,60 @@
               <a:rPr lang="ru-RU" dirty="0"/>
               <a:t>Первый с этими данными</a:t>
             </a:r>
-          </a:p>
-        </p:txBody>
-      </p:sp>
+            <a:endParaRPr lang="en-US" dirty="0"/>
+          </a:p>
+          <a:p>
+            <a:endParaRPr lang="en-US" dirty="0"/>
+          </a:p>
+          <a:p>
+            <a:endParaRPr lang="en-US" dirty="0"/>
+          </a:p>
+          <a:p>
+            <a:endParaRPr lang="en-US" dirty="0"/>
+          </a:p>
+          <a:p>
+            <a:r>
+              <a:rPr lang="ru-RU" dirty="0"/>
+              <a:t>Теперь с вторым коммитом и этим текстом </a:t>
+            </a:r>
+            <a:r>
+              <a:rPr lang="ru-RU"/>
+              <a:t>создадим третий</a:t>
+            </a:r>
+            <a:endParaRPr lang="ru-RU" dirty="0"/>
+          </a:p>
+        </p:txBody>
+      </p:sp>
+      <p:pic>
+        <p:nvPicPr>
+          <p:cNvPr id="5" name="Рисунок 4">
+            <a:extLst>
+              <a:ext uri="{FF2B5EF4-FFF2-40B4-BE49-F238E27FC236}">
+                <a16:creationId xmlns:a16="http://schemas.microsoft.com/office/drawing/2014/main" id="{60F5034E-8F24-48C5-BCAB-16EA1DB45824}"/>
+              </a:ext>
+            </a:extLst>
+          </p:cNvPr>
+          <p:cNvPicPr>
+            <a:picLocks noChangeAspect="1"/>
+          </p:cNvPicPr>
+          <p:nvPr/>
+        </p:nvPicPr>
+        <p:blipFill>
+          <a:blip r:embed="rId2"/>
+          <a:stretch>
+            <a:fillRect/>
+          </a:stretch>
+        </p:blipFill>
+        <p:spPr>
+          <a:xfrm>
+            <a:off x="838200" y="2331080"/>
+            <a:ext cx="7625647" cy="1386481"/>
+          </a:xfrm>
+          <a:prstGeom prst="rect">
+            <a:avLst/>
+          </a:prstGeom>
+        </p:spPr>
+      </p:pic>
     </p:spTree>
     <p:extLst>
       <p:ext uri="{BB962C8B-B14F-4D97-AF65-F5344CB8AC3E}">

--- a/основы работы с гит.pptx
+++ b/основы работы с гит.pptx
@@ -10,6 +10,7 @@
     <p:sldId id="258" r:id="rId4"/>
     <p:sldId id="259" r:id="rId5"/>
     <p:sldId id="260" r:id="rId6"/>
+    <p:sldId id="261" r:id="rId7"/>
   </p:sldIdLst>
   <p:sldSz cx="12192000" cy="6858000"/>
   <p:notesSz cx="6858000" cy="9144000"/>
@@ -3833,10 +3834,142 @@
           </a:prstGeom>
         </p:spPr>
       </p:pic>
+      <p:pic>
+        <p:nvPicPr>
+          <p:cNvPr id="6" name="Рисунок 5">
+            <a:extLst>
+              <a:ext uri="{FF2B5EF4-FFF2-40B4-BE49-F238E27FC236}">
+                <a16:creationId xmlns:a16="http://schemas.microsoft.com/office/drawing/2014/main" id="{4880D75B-1424-4DC9-9220-E02BBE3546DE}"/>
+              </a:ext>
+            </a:extLst>
+          </p:cNvPr>
+          <p:cNvPicPr>
+            <a:picLocks noChangeAspect="1"/>
+          </p:cNvPicPr>
+          <p:nvPr/>
+        </p:nvPicPr>
+        <p:blipFill>
+          <a:blip r:embed="rId3"/>
+          <a:stretch>
+            <a:fillRect/>
+          </a:stretch>
+        </p:blipFill>
+        <p:spPr>
+          <a:xfrm>
+            <a:off x="838200" y="4458283"/>
+            <a:ext cx="7625647" cy="1280948"/>
+          </a:xfrm>
+          <a:prstGeom prst="rect">
+            <a:avLst/>
+          </a:prstGeom>
+        </p:spPr>
+      </p:pic>
     </p:spTree>
     <p:extLst>
       <p:ext uri="{BB962C8B-B14F-4D97-AF65-F5344CB8AC3E}">
         <p14:creationId xmlns:p14="http://schemas.microsoft.com/office/powerpoint/2010/main" val="123428256"/>
+      </p:ext>
+    </p:extLst>
+  </p:cSld>
+  <p:clrMapOvr>
+    <a:masterClrMapping/>
+  </p:clrMapOvr>
+</p:sld>
+</file>
+
+<file path=ppt/slides/slide6.xml><?xml version="1.0" encoding="utf-8"?>
+<p:sld xmlns:a="http://schemas.openxmlformats.org/drawingml/2006/main" xmlns:r="http://schemas.openxmlformats.org/officeDocument/2006/relationships" xmlns:p="http://schemas.openxmlformats.org/presentationml/2006/main">
+  <p:cSld>
+    <p:spTree>
+      <p:nvGrpSpPr>
+        <p:cNvPr id="1" name=""/>
+        <p:cNvGrpSpPr/>
+        <p:nvPr/>
+      </p:nvGrpSpPr>
+      <p:grpSpPr>
+        <a:xfrm>
+          <a:off x="0" y="0"/>
+          <a:ext cx="0" cy="0"/>
+          <a:chOff x="0" y="0"/>
+          <a:chExt cx="0" cy="0"/>
+        </a:xfrm>
+      </p:grpSpPr>
+      <p:sp>
+        <p:nvSpPr>
+          <p:cNvPr id="2" name="Заголовок 1">
+            <a:extLst>
+              <a:ext uri="{FF2B5EF4-FFF2-40B4-BE49-F238E27FC236}">
+                <a16:creationId xmlns:a16="http://schemas.microsoft.com/office/drawing/2014/main" id="{15BA415D-1B08-450B-8FE7-87684A409085}"/>
+              </a:ext>
+            </a:extLst>
+          </p:cNvPr>
+          <p:cNvSpPr>
+            <a:spLocks noGrp="1"/>
+          </p:cNvSpPr>
+          <p:nvPr>
+            <p:ph type="title"/>
+          </p:nvPr>
+        </p:nvSpPr>
+        <p:spPr/>
+        <p:txBody>
+          <a:bodyPr/>
+          <a:lstStyle/>
+          <a:p>
+            <a:r>
+              <a:rPr lang="ru-RU" dirty="0"/>
+              <a:t>Удаление коммита</a:t>
+            </a:r>
+          </a:p>
+        </p:txBody>
+      </p:sp>
+      <p:sp>
+        <p:nvSpPr>
+          <p:cNvPr id="3" name="Объект 2">
+            <a:extLst>
+              <a:ext uri="{FF2B5EF4-FFF2-40B4-BE49-F238E27FC236}">
+                <a16:creationId xmlns:a16="http://schemas.microsoft.com/office/drawing/2014/main" id="{599EFC7B-C865-4E4D-A98B-BC578927899C}"/>
+              </a:ext>
+            </a:extLst>
+          </p:cNvPr>
+          <p:cNvSpPr>
+            <a:spLocks noGrp="1"/>
+          </p:cNvSpPr>
+          <p:nvPr>
+            <p:ph idx="1"/>
+          </p:nvPr>
+        </p:nvSpPr>
+        <p:spPr/>
+        <p:txBody>
+          <a:bodyPr/>
+          <a:lstStyle/>
+          <a:p>
+            <a:r>
+              <a:rPr lang="ru-RU" dirty="0"/>
+              <a:t>Для этого </a:t>
+            </a:r>
+            <a:r>
+              <a:rPr lang="ru-RU"/>
+              <a:t>создадим 4ый </a:t>
+            </a:r>
+            <a:r>
+              <a:rPr lang="ru-RU" dirty="0"/>
+              <a:t>коммит с этим текстом </a:t>
+            </a:r>
+            <a:r>
+              <a:rPr lang="ru-RU"/>
+              <a:t>и потом </a:t>
+            </a:r>
+            <a:r>
+              <a:rPr lang="ru-RU" dirty="0"/>
+              <a:t>5ый что б его удалить добавив пару символов</a:t>
+            </a:r>
+          </a:p>
+        </p:txBody>
+      </p:sp>
+    </p:spTree>
+    <p:extLst>
+      <p:ext uri="{BB962C8B-B14F-4D97-AF65-F5344CB8AC3E}">
+        <p14:creationId xmlns:p14="http://schemas.microsoft.com/office/powerpoint/2010/main" val="4114229526"/>
       </p:ext>
     </p:extLst>
   </p:cSld>

--- a/основы работы с гит.pptx
+++ b/основы работы с гит.pptx
@@ -3945,27 +3945,65 @@
           <a:p>
             <a:r>
               <a:rPr lang="ru-RU" dirty="0"/>
-              <a:t>Для этого </a:t>
-            </a:r>
-            <a:r>
-              <a:rPr lang="ru-RU"/>
-              <a:t>создадим 4ый </a:t>
+              <a:t>Для этого создадим 4ый коммит с этим текстом и потом 5ый что б его удалить добавив пару символов</a:t>
+            </a:r>
+          </a:p>
+          <a:p>
+            <a:endParaRPr lang="ru-RU" dirty="0"/>
+          </a:p>
+          <a:p>
+            <a:endParaRPr lang="ru-RU" dirty="0"/>
+          </a:p>
+          <a:p>
+            <a:endParaRPr lang="ru-RU" dirty="0"/>
+          </a:p>
+          <a:p>
+            <a:r>
+              <a:rPr lang="ru-RU" dirty="0" err="1"/>
+              <a:t>Октолатмалтмдлтдавтлтопт</a:t>
             </a:r>
             <a:r>
               <a:rPr lang="ru-RU" dirty="0"/>
-              <a:t>коммит с этим текстом </a:t>
-            </a:r>
-            <a:r>
-              <a:rPr lang="ru-RU"/>
-              <a:t>и потом </a:t>
-            </a:r>
-            <a:r>
-              <a:rPr lang="ru-RU" dirty="0"/>
-              <a:t>5ый что б его удалить добавив пару символов</a:t>
-            </a:r>
-          </a:p>
-        </p:txBody>
-      </p:sp>
+              <a:t> </a:t>
+            </a:r>
+            <a:r>
+              <a:rPr lang="ru-RU" dirty="0" err="1"/>
+              <a:t>лавмвм</a:t>
+            </a:r>
+            <a:endParaRPr lang="ru-RU" dirty="0"/>
+          </a:p>
+        </p:txBody>
+      </p:sp>
+      <p:pic>
+        <p:nvPicPr>
+          <p:cNvPr id="5" name="Рисунок 4">
+            <a:extLst>
+              <a:ext uri="{FF2B5EF4-FFF2-40B4-BE49-F238E27FC236}">
+                <a16:creationId xmlns:a16="http://schemas.microsoft.com/office/drawing/2014/main" id="{31F846CF-8AFC-4542-9BE9-A4E7D5808956}"/>
+              </a:ext>
+            </a:extLst>
+          </p:cNvPr>
+          <p:cNvPicPr>
+            <a:picLocks noChangeAspect="1"/>
+          </p:cNvPicPr>
+          <p:nvPr/>
+        </p:nvPicPr>
+        <p:blipFill>
+          <a:blip r:embed="rId2"/>
+          <a:stretch>
+            <a:fillRect/>
+          </a:stretch>
+        </p:blipFill>
+        <p:spPr>
+          <a:xfrm>
+            <a:off x="838200" y="2856436"/>
+            <a:ext cx="7196528" cy="1386138"/>
+          </a:xfrm>
+          <a:prstGeom prst="rect">
+            <a:avLst/>
+          </a:prstGeom>
+        </p:spPr>
+      </p:pic>
     </p:spTree>
     <p:extLst>
       <p:ext uri="{BB962C8B-B14F-4D97-AF65-F5344CB8AC3E}">

--- a/основы работы с гит.pptx
+++ b/основы работы с гит.pptx
@@ -3945,65 +3945,27 @@
           <a:p>
             <a:r>
               <a:rPr lang="ru-RU" dirty="0"/>
-              <a:t>Для этого создадим 4ый коммит с этим текстом и потом 5ый что б его удалить добавив пару символов</a:t>
-            </a:r>
-          </a:p>
-          <a:p>
-            <a:endParaRPr lang="ru-RU" dirty="0"/>
-          </a:p>
-          <a:p>
-            <a:endParaRPr lang="ru-RU" dirty="0"/>
-          </a:p>
-          <a:p>
-            <a:endParaRPr lang="ru-RU" dirty="0"/>
-          </a:p>
-          <a:p>
-            <a:r>
-              <a:rPr lang="ru-RU" dirty="0" err="1"/>
-              <a:t>Октолатмалтмдлтдавтлтопт</a:t>
+              <a:t>Для этого </a:t>
+            </a:r>
+            <a:r>
+              <a:rPr lang="ru-RU"/>
+              <a:t>создадим 4ый </a:t>
             </a:r>
             <a:r>
               <a:rPr lang="ru-RU" dirty="0"/>
-              <a:t> </a:t>
-            </a:r>
-            <a:r>
-              <a:rPr lang="ru-RU" dirty="0" err="1"/>
-              <a:t>лавмвм</a:t>
-            </a:r>
-            <a:endParaRPr lang="ru-RU" dirty="0"/>
-          </a:p>
-        </p:txBody>
-      </p:sp>
-      <p:pic>
-        <p:nvPicPr>
-          <p:cNvPr id="5" name="Рисунок 4">
-            <a:extLst>
-              <a:ext uri="{FF2B5EF4-FFF2-40B4-BE49-F238E27FC236}">
-                <a16:creationId xmlns:a16="http://schemas.microsoft.com/office/drawing/2014/main" id="{31F846CF-8AFC-4542-9BE9-A4E7D5808956}"/>
-              </a:ext>
-            </a:extLst>
-          </p:cNvPr>
-          <p:cNvPicPr>
-            <a:picLocks noChangeAspect="1"/>
-          </p:cNvPicPr>
-          <p:nvPr/>
-        </p:nvPicPr>
-        <p:blipFill>
-          <a:blip r:embed="rId2"/>
-          <a:stretch>
-            <a:fillRect/>
-          </a:stretch>
-        </p:blipFill>
-        <p:spPr>
-          <a:xfrm>
-            <a:off x="838200" y="2856436"/>
-            <a:ext cx="7196528" cy="1386138"/>
-          </a:xfrm>
-          <a:prstGeom prst="rect">
-            <a:avLst/>
-          </a:prstGeom>
-        </p:spPr>
-      </p:pic>
+              <a:t>коммит с этим текстом </a:t>
+            </a:r>
+            <a:r>
+              <a:rPr lang="ru-RU"/>
+              <a:t>и потом </a:t>
+            </a:r>
+            <a:r>
+              <a:rPr lang="ru-RU" dirty="0"/>
+              <a:t>5ый что б его удалить добавив пару символов</a:t>
+            </a:r>
+          </a:p>
+        </p:txBody>
+      </p:sp>
     </p:spTree>
     <p:extLst>
       <p:ext uri="{BB962C8B-B14F-4D97-AF65-F5344CB8AC3E}">

--- a/основы работы с гит.pptx
+++ b/основы работы с гит.pptx
@@ -11,6 +11,7 @@
     <p:sldId id="259" r:id="rId5"/>
     <p:sldId id="260" r:id="rId6"/>
     <p:sldId id="261" r:id="rId7"/>
+    <p:sldId id="262" r:id="rId8"/>
   </p:sldIdLst>
   <p:sldSz cx="12192000" cy="6858000"/>
   <p:notesSz cx="6858000" cy="9144000"/>
@@ -3945,31 +3946,173 @@
           <a:p>
             <a:r>
               <a:rPr lang="ru-RU" dirty="0"/>
-              <a:t>Для этого </a:t>
-            </a:r>
-            <a:r>
-              <a:rPr lang="ru-RU"/>
-              <a:t>создадим 4ый </a:t>
-            </a:r>
-            <a:r>
-              <a:rPr lang="ru-RU" dirty="0"/>
-              <a:t>коммит с этим текстом </a:t>
-            </a:r>
-            <a:r>
-              <a:rPr lang="ru-RU"/>
-              <a:t>и потом </a:t>
-            </a:r>
-            <a:r>
-              <a:rPr lang="ru-RU" dirty="0"/>
-              <a:t>5ый что б его удалить добавив пару символов</a:t>
-            </a:r>
-          </a:p>
-        </p:txBody>
-      </p:sp>
+              <a:t>Для этого создадим 4ый коммит с этим текстом и потом 5ый что б его удалить добавив пару символов</a:t>
+            </a:r>
+          </a:p>
+          <a:p>
+            <a:pPr marL="0" indent="0">
+              <a:buNone/>
+            </a:pPr>
+            <a:endParaRPr lang="ru-RU" dirty="0"/>
+          </a:p>
+        </p:txBody>
+      </p:sp>
+      <p:pic>
+        <p:nvPicPr>
+          <p:cNvPr id="5" name="Рисунок 4">
+            <a:extLst>
+              <a:ext uri="{FF2B5EF4-FFF2-40B4-BE49-F238E27FC236}">
+                <a16:creationId xmlns:a16="http://schemas.microsoft.com/office/drawing/2014/main" id="{206CE4CD-18FA-45B1-94EA-536D87DA1572}"/>
+              </a:ext>
+            </a:extLst>
+          </p:cNvPr>
+          <p:cNvPicPr>
+            <a:picLocks noChangeAspect="1"/>
+          </p:cNvPicPr>
+          <p:nvPr/>
+        </p:nvPicPr>
+        <p:blipFill>
+          <a:blip r:embed="rId2"/>
+          <a:stretch>
+            <a:fillRect/>
+          </a:stretch>
+        </p:blipFill>
+        <p:spPr>
+          <a:xfrm>
+            <a:off x="6953875" y="2266950"/>
+            <a:ext cx="4610100" cy="4591050"/>
+          </a:xfrm>
+          <a:prstGeom prst="rect">
+            <a:avLst/>
+          </a:prstGeom>
+        </p:spPr>
+      </p:pic>
     </p:spTree>
     <p:extLst>
       <p:ext uri="{BB962C8B-B14F-4D97-AF65-F5344CB8AC3E}">
         <p14:creationId xmlns:p14="http://schemas.microsoft.com/office/powerpoint/2010/main" val="4114229526"/>
+      </p:ext>
+    </p:extLst>
+  </p:cSld>
+  <p:clrMapOvr>
+    <a:masterClrMapping/>
+  </p:clrMapOvr>
+</p:sld>
+</file>
+
+<file path=ppt/slides/slide7.xml><?xml version="1.0" encoding="utf-8"?>
+<p:sld xmlns:a="http://schemas.openxmlformats.org/drawingml/2006/main" xmlns:r="http://schemas.openxmlformats.org/officeDocument/2006/relationships" xmlns:p="http://schemas.openxmlformats.org/presentationml/2006/main">
+  <p:cSld>
+    <p:spTree>
+      <p:nvGrpSpPr>
+        <p:cNvPr id="1" name=""/>
+        <p:cNvGrpSpPr/>
+        <p:nvPr/>
+      </p:nvGrpSpPr>
+      <p:grpSpPr>
+        <a:xfrm>
+          <a:off x="0" y="0"/>
+          <a:ext cx="0" cy="0"/>
+          <a:chOff x="0" y="0"/>
+          <a:chExt cx="0" cy="0"/>
+        </a:xfrm>
+      </p:grpSpPr>
+      <p:sp>
+        <p:nvSpPr>
+          <p:cNvPr id="2" name="Заголовок 1">
+            <a:extLst>
+              <a:ext uri="{FF2B5EF4-FFF2-40B4-BE49-F238E27FC236}">
+                <a16:creationId xmlns:a16="http://schemas.microsoft.com/office/drawing/2014/main" id="{11F8E631-9818-435D-990B-D9699EC6D0E8}"/>
+              </a:ext>
+            </a:extLst>
+          </p:cNvPr>
+          <p:cNvSpPr>
+            <a:spLocks noGrp="1"/>
+          </p:cNvSpPr>
+          <p:nvPr>
+            <p:ph type="title"/>
+          </p:nvPr>
+        </p:nvSpPr>
+        <p:spPr/>
+        <p:txBody>
+          <a:bodyPr/>
+          <a:lstStyle/>
+          <a:p>
+            <a:r>
+              <a:rPr lang="ru-RU" dirty="0"/>
+              <a:t>Вернемся на 4ый коммит а потом на последний </a:t>
+            </a:r>
+            <a:r>
+              <a:rPr lang="ru-RU" dirty="0" err="1"/>
+              <a:t>созданнй</a:t>
+            </a:r>
+            <a:endParaRPr lang="ru-RU" dirty="0"/>
+          </a:p>
+        </p:txBody>
+      </p:sp>
+      <p:pic>
+        <p:nvPicPr>
+          <p:cNvPr id="5" name="Объект 4">
+            <a:extLst>
+              <a:ext uri="{FF2B5EF4-FFF2-40B4-BE49-F238E27FC236}">
+                <a16:creationId xmlns:a16="http://schemas.microsoft.com/office/drawing/2014/main" id="{81674849-7543-4A17-A19E-127BF335BDCA}"/>
+              </a:ext>
+            </a:extLst>
+          </p:cNvPr>
+          <p:cNvPicPr>
+            <a:picLocks noGrp="1" noChangeAspect="1"/>
+          </p:cNvPicPr>
+          <p:nvPr>
+            <p:ph idx="1"/>
+          </p:nvPr>
+        </p:nvPicPr>
+        <p:blipFill>
+          <a:blip r:embed="rId2"/>
+          <a:stretch>
+            <a:fillRect/>
+          </a:stretch>
+        </p:blipFill>
+        <p:spPr>
+          <a:xfrm>
+            <a:off x="838200" y="4826832"/>
+            <a:ext cx="9802593" cy="1524213"/>
+          </a:xfrm>
+        </p:spPr>
+      </p:pic>
+      <p:pic>
+        <p:nvPicPr>
+          <p:cNvPr id="7" name="Рисунок 6">
+            <a:extLst>
+              <a:ext uri="{FF2B5EF4-FFF2-40B4-BE49-F238E27FC236}">
+                <a16:creationId xmlns:a16="http://schemas.microsoft.com/office/drawing/2014/main" id="{7778F601-07E8-4669-BA9F-EEFB7D66098D}"/>
+              </a:ext>
+            </a:extLst>
+          </p:cNvPr>
+          <p:cNvPicPr>
+            <a:picLocks noChangeAspect="1"/>
+          </p:cNvPicPr>
+          <p:nvPr/>
+        </p:nvPicPr>
+        <p:blipFill>
+          <a:blip r:embed="rId3"/>
+          <a:stretch>
+            <a:fillRect/>
+          </a:stretch>
+        </p:blipFill>
+        <p:spPr>
+          <a:xfrm>
+            <a:off x="838200" y="1531229"/>
+            <a:ext cx="9616994" cy="3295603"/>
+          </a:xfrm>
+          <a:prstGeom prst="rect">
+            <a:avLst/>
+          </a:prstGeom>
+        </p:spPr>
+      </p:pic>
+    </p:spTree>
+    <p:extLst>
+      <p:ext uri="{BB962C8B-B14F-4D97-AF65-F5344CB8AC3E}">
+        <p14:creationId xmlns:p14="http://schemas.microsoft.com/office/powerpoint/2010/main" val="3983612941"/>
       </p:ext>
     </p:extLst>
   </p:cSld>
